--- a/PowerBIQuickStart.E06/Power BI Quick Start2.E06.pptx
+++ b/PowerBIQuickStart.E06/Power BI Quick Start2.E06.pptx
@@ -20750,7 +20750,7 @@
           </a:ln>
           <a:extLst>
             <a:ext uri="{C572A759-6A51-4108-AA02-DFA0A04FC94B}">
-              <ma14:wrappingTextBoxFlag xmlns="" xmlns:ma14="http://schemas.microsoft.com/office/mac/drawingml/2011/main" val="1"/>
+              <ma14:wrappingTextBoxFlag xmlns:ma14="http://schemas.microsoft.com/office/mac/drawingml/2011/main" xmlns="" val="1"/>
             </a:ext>
           </a:extLst>
         </p:spPr>
@@ -26004,14 +26004,24 @@
                 <a:effectLst/>
                 <a:latin typeface="+mn-lt"/>
               </a:rPr>
-              <a:t>Power BI Quick Start #2 </a:t>
-            </a:r>
-            <a:r>
-              <a:rPr lang="en-US" dirty="0">
+              <a:t>Power BI Quick Start #</a:t>
+            </a:r>
+            <a:r>
+              <a:rPr lang="en-US" i="0">
+                <a:effectLst/>
                 <a:latin typeface="+mn-lt"/>
               </a:rPr>
-              <a:t>E05</a:t>
-            </a:r>
+              <a:t>2 </a:t>
+            </a:r>
+            <a:r>
+              <a:rPr lang="en-US">
+                <a:latin typeface="+mn-lt"/>
+              </a:rPr>
+              <a:t>E06</a:t>
+            </a:r>
+            <a:endParaRPr lang="en-US" dirty="0">
+              <a:latin typeface="+mn-lt"/>
+            </a:endParaRPr>
           </a:p>
         </p:txBody>
       </p:sp>
@@ -30774,15 +30784,6 @@
 </file>
 
 <file path=customXml/item1.xml><?xml version="1.0" encoding="utf-8"?>
-<?mso-contentType ?>
-<FormTemplates xmlns="http://schemas.microsoft.com/sharepoint/v3/contenttype/forms">
-  <Display>DocumentLibraryForm</Display>
-  <Edit>DocumentLibraryForm</Edit>
-  <New>DocumentLibraryForm</New>
-</FormTemplates>
-</file>
-
-<file path=customXml/item2.xml><?xml version="1.0" encoding="utf-8"?>
 <ct:contentTypeSchema xmlns:ct="http://schemas.microsoft.com/office/2006/metadata/contentType" xmlns:ma="http://schemas.microsoft.com/office/2006/metadata/properties/metaAttributes" ct:_="" ma:_="" ma:contentTypeName="Document" ma:contentTypeID="0x0101009B22848A6E75B0409A42E310CF3F8F4E" ma:contentTypeVersion="4" ma:contentTypeDescription="Create a new document." ma:contentTypeScope="" ma:versionID="1f74bb98edc28091374bbc6334961465">
   <xsd:schema xmlns:xsd="http://www.w3.org/2001/XMLSchema" xmlns:xs="http://www.w3.org/2001/XMLSchema" xmlns:p="http://schemas.microsoft.com/office/2006/metadata/properties" xmlns:ns2="609121fb-01d0-49fe-b3fd-9a3e3a0646a9" xmlns:ns3="c8fb4810-c3cf-44db-bdf0-77d94482a97a" targetNamespace="http://schemas.microsoft.com/office/2006/metadata/properties" ma:root="true" ma:fieldsID="a6f6063613ae5a1e9406fd437b4bafa6" ns2:_="" ns3:_="">
     <xsd:import namespace="609121fb-01d0-49fe-b3fd-9a3e3a0646a9"/>
@@ -30947,6 +30948,15 @@
 </ct:contentTypeSchema>
 </file>
 
+<file path=customXml/item2.xml><?xml version="1.0" encoding="utf-8"?>
+<?mso-contentType ?>
+<FormTemplates xmlns="http://schemas.microsoft.com/sharepoint/v3/contenttype/forms">
+  <Display>DocumentLibraryForm</Display>
+  <Edit>DocumentLibraryForm</Edit>
+  <New>DocumentLibraryForm</New>
+</FormTemplates>
+</file>
+
 <file path=customXml/item3.xml><?xml version="1.0" encoding="utf-8"?>
 <p:properties xmlns:p="http://schemas.microsoft.com/office/2006/metadata/properties" xmlns:xsi="http://www.w3.org/2001/XMLSchema-instance" xmlns:pc="http://schemas.microsoft.com/office/infopath/2007/PartnerControls">
   <documentManagement/>
@@ -30954,14 +30964,6 @@
 </file>
 
 <file path=customXml/itemProps1.xml><?xml version="1.0" encoding="utf-8"?>
-<ds:datastoreItem xmlns:ds="http://schemas.openxmlformats.org/officeDocument/2006/customXml" ds:itemID="{14883F0F-DE57-4ECA-B9BB-F22E8C5B5D82}">
-  <ds:schemaRefs>
-    <ds:schemaRef ds:uri="http://schemas.microsoft.com/sharepoint/v3/contenttype/forms"/>
-  </ds:schemaRefs>
-</ds:datastoreItem>
-</file>
-
-<file path=customXml/itemProps2.xml><?xml version="1.0" encoding="utf-8"?>
 <ds:datastoreItem xmlns:ds="http://schemas.openxmlformats.org/officeDocument/2006/customXml" ds:itemID="{CF288694-7F1C-4CF0-90DC-59991385141F}">
   <ds:schemaRefs>
     <ds:schemaRef ds:uri="http://schemas.microsoft.com/office/2006/metadata/contentType"/>
@@ -30976,6 +30978,14 @@
     <ds:schemaRef ds:uri="http://purl.org/dc/elements/1.1/"/>
     <ds:schemaRef ds:uri="http://purl.org/dc/terms/"/>
     <ds:schemaRef ds:uri="http://schemas.microsoft.com/internal/obd"/>
+  </ds:schemaRefs>
+</ds:datastoreItem>
+</file>
+
+<file path=customXml/itemProps2.xml><?xml version="1.0" encoding="utf-8"?>
+<ds:datastoreItem xmlns:ds="http://schemas.openxmlformats.org/officeDocument/2006/customXml" ds:itemID="{14883F0F-DE57-4ECA-B9BB-F22E8C5B5D82}">
+  <ds:schemaRefs>
+    <ds:schemaRef ds:uri="http://schemas.microsoft.com/sharepoint/v3/contenttype/forms"/>
   </ds:schemaRefs>
 </ds:datastoreItem>
 </file>
